--- a/ShapeCrawler.Tests.Shared/assets/autoshapes/autoshape-grouping.pptx
+++ b/ShapeCrawler.Tests.Shared/assets/autoshapes/autoshape-grouping.pptx
@@ -238,7 +238,7 @@
           <a:p>
             <a:fld id="{17B0E2F1-F5EC-4708-BB7A-260D58CE6E09}" type="datetimeFigureOut">
               <a:rPr lang="en-US" smtClean="0"/>
-              <a:t>1/31/2023</a:t>
+              <a:t>2/4/2023</a:t>
             </a:fld>
             <a:endParaRPr lang="en-US"/>
           </a:p>
@@ -415,7 +415,7 @@
           <a:p>
             <a:fld id="{BB8E4D5A-60A2-498F-B618-80D01F3D83C0}" type="datetimeFigureOut">
               <a:rPr lang="en-US" smtClean="0"/>
-              <a:t>1/31/2023</a:t>
+              <a:t>2/4/2023</a:t>
             </a:fld>
             <a:endParaRPr lang="en-US"/>
           </a:p>
